--- a/Courses/Computer-Modeling-and-IT/Computer-Modeling-and-IT-5-Class/22-Introduction-to-Text-Processing/22-Introduction-to-Text-Processing.pptx
+++ b/Courses/Computer-Modeling-and-IT/Computer-Modeling-and-IT-5-Class/22-Introduction-to-Text-Processing/22-Introduction-to-Text-Processing.pptx
@@ -319,7 +319,7 @@
           <a:p>
             <a:fld id="{4E087215-0C8F-4762-A664-737A353EC9A4}" type="datetimeFigureOut">
               <a:rPr lang="bg-BG" smtClean="0"/>
-              <a:t>19.2.2024 г.</a:t>
+              <a:t>23.2.2024 г.</a:t>
             </a:fld>
             <a:endParaRPr lang="bg-BG"/>
           </a:p>
@@ -515,7 +515,7 @@
           <a:p>
             <a:fld id="{72D84649-876A-46C9-8472-14CB09C070D8}" type="datetimeFigureOut">
               <a:rPr lang="en-US" smtClean="0"/>
-              <a:t>2/19/2024</a:t>
+              <a:t>2/23/2024</a:t>
             </a:fld>
             <a:endParaRPr lang="en-US"/>
           </a:p>
@@ -7710,6 +7710,36 @@
           </a:p>
         </p:txBody>
       </p:sp>
+      <p:pic>
+        <p:nvPicPr>
+          <p:cNvPr id="4" name="Picture 3"/>
+          <p:cNvPicPr>
+            <a:picLocks noChangeAspect="1"/>
+          </p:cNvPicPr>
+          <p:nvPr/>
+        </p:nvPicPr>
+        <p:blipFill>
+          <a:blip r:embed="rId5">
+            <a:extLst>
+              <a:ext uri="{28A0092B-C50C-407E-A947-70E740481C1C}">
+                <a14:useLocalDpi xmlns:a14="http://schemas.microsoft.com/office/drawing/2010/main" val="0"/>
+              </a:ext>
+            </a:extLst>
+          </a:blip>
+          <a:stretch>
+            <a:fillRect/>
+          </a:stretch>
+        </p:blipFill>
+        <p:spPr>
+          <a:xfrm>
+            <a:off x="534045" y="2979000"/>
+            <a:ext cx="2186955" cy="978745"/>
+          </a:xfrm>
+          <a:prstGeom prst="rect">
+            <a:avLst/>
+          </a:prstGeom>
+        </p:spPr>
+      </p:pic>
     </p:spTree>
     <p:extLst>
       <p:ext uri="{BB962C8B-B14F-4D97-AF65-F5344CB8AC3E}">
@@ -22228,7 +22258,7 @@
                 <a:hlinkClick r:id="rId3">
                   <a:extLst>
                     <a:ext uri="{A12FA001-AC4F-418D-AE19-62706E023703}">
-                      <ahyp:hlinkClr xmlns="" xmlns:ahyp="http://schemas.microsoft.com/office/drawing/2018/hyperlinkcolor" val="tx"/>
+                      <ahyp:hlinkClr xmlns:ahyp="http://schemas.microsoft.com/office/drawing/2018/hyperlinkcolor" xmlns="" val="tx"/>
                     </a:ext>
                   </a:extLst>
                 </a:hlinkClick>

--- a/Courses/Computer-Modeling-and-IT/Computer-Modeling-and-IT-5-Class/22-Introduction-to-Text-Processing/22-Introduction-to-Text-Processing.pptx
+++ b/Courses/Computer-Modeling-and-IT/Computer-Modeling-and-IT-5-Class/22-Introduction-to-Text-Processing/22-Introduction-to-Text-Processing.pptx
@@ -319,7 +319,7 @@
           <a:p>
             <a:fld id="{4E087215-0C8F-4762-A664-737A353EC9A4}" type="datetimeFigureOut">
               <a:rPr lang="bg-BG" smtClean="0"/>
-              <a:t>23.2.2024 г.</a:t>
+              <a:t>27.02.24 г.</a:t>
             </a:fld>
             <a:endParaRPr lang="bg-BG"/>
           </a:p>
@@ -515,7 +515,7 @@
           <a:p>
             <a:fld id="{72D84649-876A-46C9-8472-14CB09C070D8}" type="datetimeFigureOut">
               <a:rPr lang="en-US" smtClean="0"/>
-              <a:t>2/23/2024</a:t>
+              <a:t>2/27/24</a:t>
             </a:fld>
             <a:endParaRPr lang="en-US"/>
           </a:p>
@@ -7904,13 +7904,8 @@
             </a:r>
             <a:r>
               <a:rPr lang="bg-BG" sz="3600" b="1" dirty="0"/>
-              <a:t> без </a:t>
-            </a:r>
-            <a:r>
-              <a:rPr lang="bg-BG" sz="3600" b="1" dirty="0" smtClean="0"/>
-              <a:t>интервал</a:t>
-            </a:r>
-            <a:endParaRPr lang="bg-BG" sz="3600" b="1" dirty="0"/>
+              <a:t> без интервал</a:t>
+            </a:r>
           </a:p>
         </p:txBody>
       </p:sp>
@@ -9384,16 +9379,12 @@
               <a:t>Tab</a:t>
             </a:r>
             <a:r>
-              <a:rPr lang="en-US" sz="3400" dirty="0" smtClean="0"/>
+              <a:rPr lang="en-US" sz="3400" dirty="0"/>
               <a:t>] </a:t>
             </a:r>
             <a:r>
-              <a:rPr lang="bg-BG" sz="3400" dirty="0" smtClean="0"/>
-              <a:t>или </a:t>
-            </a:r>
-            <a:r>
               <a:rPr lang="bg-BG" sz="3400" dirty="0"/>
-              <a:t>да промените </a:t>
+              <a:t>или да промените </a:t>
             </a:r>
             <a:r>
               <a:rPr lang="bg-BG" sz="3400" b="1" dirty="0"/>
@@ -9753,7 +9744,7 @@
           <a:lstStyle/>
           <a:p>
             <a:r>
-              <a:rPr lang="bg-BG" smtClean="0"/>
+              <a:rPr lang="bg-BG"/>
               <a:t>Клавиатура</a:t>
             </a:r>
             <a:endParaRPr lang="en-US"/>
@@ -9806,7 +9797,7 @@
           <a:lstStyle/>
           <a:p>
             <a:r>
-              <a:rPr lang="bg-BG" smtClean="0"/>
+              <a:rPr lang="bg-BG"/>
               <a:t>Секции на клавиатурата</a:t>
             </a:r>
             <a:endParaRPr lang="en-US"/>
@@ -9831,13 +9822,6 @@
       <p:transition spd="slow" advClick="0" advTm="5000"/>
     </mc:Fallback>
   </mc:AlternateContent>
-  <p:timing>
-    <p:tnLst>
-      <p:par>
-        <p:cTn id="1" dur="indefinite" restart="never" nodeType="tmRoot"/>
-      </p:par>
-    </p:tnLst>
-  </p:timing>
 </p:sld>
 </file>
 
@@ -11611,10 +11595,6 @@
             <a:r>
               <a:rPr lang="bg-BG" sz="2400" b="1" i="1" dirty="0"/>
               <a:t> на клавиша </a:t>
-            </a:r>
-            <a:r>
-              <a:rPr lang="en-US" sz="2400" b="1" i="1" dirty="0"/>
-              <a:t/>
             </a:r>
             <a:br>
               <a:rPr lang="en-US" sz="2400" b="1" i="1" dirty="0"/>
@@ -16068,13 +16048,6 @@
       <p:transition spd="slow" advClick="0" advTm="5000"/>
     </mc:Fallback>
   </mc:AlternateContent>
-  <p:timing>
-    <p:tnLst>
-      <p:par>
-        <p:cTn id="1" dur="indefinite" restart="never" nodeType="tmRoot"/>
-      </p:par>
-    </p:tnLst>
-  </p:timing>
 </p:sld>
 </file>
 
@@ -16111,10 +16084,9 @@
           <a:lstStyle/>
           <a:p>
             <a:r>
-              <a:rPr lang="en-US" smtClean="0"/>
+              <a:rPr lang="en-US"/>
               <a:t>Microsoft Word</a:t>
             </a:r>
-            <a:endParaRPr lang="en-US"/>
           </a:p>
         </p:txBody>
       </p:sp>
@@ -16164,7 +16136,7 @@
           <a:lstStyle/>
           <a:p>
             <a:r>
-              <a:rPr lang="ru-RU" smtClean="0"/>
+              <a:rPr lang="ru-RU"/>
               <a:t>Създаване и съхранение на текстови файлове</a:t>
             </a:r>
             <a:endParaRPr lang="en-US"/>
@@ -16189,13 +16161,6 @@
       <p:transition spd="slow" advClick="0" advTm="5000"/>
     </mc:Fallback>
   </mc:AlternateContent>
-  <p:timing>
-    <p:tnLst>
-      <p:par>
-        <p:cTn id="1" dur="indefinite" restart="never" nodeType="tmRoot"/>
-      </p:par>
-    </p:tnLst>
-  </p:timing>
 </p:sld>
 </file>
 
@@ -20252,13 +20217,6 @@
       <p:transition spd="slow" advClick="0" advTm="5000"/>
     </mc:Fallback>
   </mc:AlternateContent>
-  <p:timing>
-    <p:tnLst>
-      <p:par>
-        <p:cTn id="1" dur="indefinite" restart="never" nodeType="tmRoot"/>
-      </p:par>
-    </p:tnLst>
-  </p:timing>
 </p:sld>
 </file>
 
@@ -20300,7 +20258,7 @@
           <a:lstStyle/>
           <a:p>
             <a:r>
-              <a:rPr lang="bg-BG" smtClean="0"/>
+              <a:rPr lang="bg-BG"/>
               <a:t>Основни елементи при текстообработка</a:t>
             </a:r>
             <a:endParaRPr lang="en-US" dirty="0"/>
@@ -20336,12 +20294,15 @@
             <a:avLst/>
           </a:prstGeom>
           <a:ln>
-            <a:solidFill>
-              <a:schemeClr val="bg2">
-                <a:lumMod val="75000"/>
-              </a:schemeClr>
-            </a:solidFill>
+            <a:noFill/>
           </a:ln>
+          <a:effectLst>
+            <a:outerShdw blurRad="292100" dist="139700" dir="2700000" algn="tl" rotWithShape="0">
+              <a:srgbClr val="333333">
+                <a:alpha val="65000"/>
+              </a:srgbClr>
+            </a:outerShdw>
+          </a:effectLst>
         </p:spPr>
       </p:pic>
     </p:spTree>
@@ -20576,8 +20537,8 @@
           </a:xfrm>
           <a:prstGeom prst="wedgeRoundRectCallout">
             <a:avLst>
-              <a:gd name="adj1" fmla="val -40362"/>
-              <a:gd name="adj2" fmla="val 112482"/>
+              <a:gd name="adj1" fmla="val -62431"/>
+              <a:gd name="adj2" fmla="val 107744"/>
               <a:gd name="adj3" fmla="val 16667"/>
             </a:avLst>
           </a:prstGeom>
@@ -22258,7 +22219,7 @@
                 <a:hlinkClick r:id="rId3">
                   <a:extLst>
                     <a:ext uri="{A12FA001-AC4F-418D-AE19-62706E023703}">
-                      <ahyp:hlinkClr xmlns:ahyp="http://schemas.microsoft.com/office/drawing/2018/hyperlinkcolor" xmlns="" val="tx"/>
+                      <ahyp:hlinkClr xmlns:ahyp="http://schemas.microsoft.com/office/drawing/2018/hyperlinkcolor" val="tx"/>
                     </a:ext>
                   </a:extLst>
                 </a:hlinkClick>
@@ -22331,13 +22292,6 @@
       <p:transition spd="slow" advClick="0" advTm="5000"/>
     </mc:Fallback>
   </mc:AlternateContent>
-  <p:timing>
-    <p:tnLst>
-      <p:par>
-        <p:cTn id="1" dur="indefinite" restart="never" nodeType="tmRoot"/>
-      </p:par>
-    </p:tnLst>
-  </p:timing>
 </p:sld>
 </file>
 
@@ -22721,13 +22675,6 @@
       <p:transition spd="slow" advClick="0" advTm="5000"/>
     </mc:Fallback>
   </mc:AlternateContent>
-  <p:timing>
-    <p:tnLst>
-      <p:par>
-        <p:cTn id="1" dur="indefinite" restart="never" nodeType="tmRoot"/>
-      </p:par>
-    </p:tnLst>
-  </p:timing>
 </p:sld>
 </file>
 
@@ -23029,9 +22976,6 @@
                     <p:cTn id="3" fill="hold">
                       <p:stCondLst>
                         <p:cond delay="indefinite"/>
-                        <p:cond evt="onBegin" delay="0">
-                          <p:tn val="2"/>
-                        </p:cond>
                       </p:stCondLst>
                       <p:childTnLst>
                         <p:par>
@@ -23041,7 +22985,7 @@
                             </p:stCondLst>
                             <p:childTnLst>
                               <p:par>
-                                <p:cTn id="5" presetID="1" presetClass="entr" presetSubtype="0" fill="hold" nodeType="withEffect">
+                                <p:cTn id="5" presetID="1" presetClass="entr" presetSubtype="0" fill="hold" nodeType="clickEffect">
                                   <p:stCondLst>
                                     <p:cond delay="0"/>
                                   </p:stCondLst>
@@ -25246,7 +25190,7 @@
           <a:lstStyle/>
           <a:p>
             <a:r>
-              <a:rPr lang="ru-RU" smtClean="0"/>
+              <a:rPr lang="ru-RU"/>
               <a:t>Правила при въвеждане на текст</a:t>
             </a:r>
             <a:endParaRPr lang="en-US"/>
@@ -25301,13 +25245,6 @@
       <p:transition spd="slow" advClick="0" advTm="5000"/>
     </mc:Fallback>
   </mc:AlternateContent>
-  <p:timing>
-    <p:tnLst>
-      <p:par>
-        <p:cTn id="1" dur="indefinite" restart="never" nodeType="tmRoot"/>
-      </p:par>
-    </p:tnLst>
-  </p:timing>
 </p:sld>
 </file>
 

--- a/Courses/Computer-Modeling-and-IT/Computer-Modeling-and-IT-5-Class/22-Introduction-to-Text-Processing/22-Introduction-to-Text-Processing.pptx
+++ b/Courses/Computer-Modeling-and-IT/Computer-Modeling-and-IT-5-Class/22-Introduction-to-Text-Processing/22-Introduction-to-Text-Processing.pptx
@@ -319,7 +319,7 @@
           <a:p>
             <a:fld id="{4E087215-0C8F-4762-A664-737A353EC9A4}" type="datetimeFigureOut">
               <a:rPr lang="bg-BG" smtClean="0"/>
-              <a:t>27.02.24 г.</a:t>
+              <a:t>17.12.2024 г.</a:t>
             </a:fld>
             <a:endParaRPr lang="bg-BG"/>
           </a:p>
@@ -515,7 +515,7 @@
           <a:p>
             <a:fld id="{72D84649-876A-46C9-8472-14CB09C070D8}" type="datetimeFigureOut">
               <a:rPr lang="en-US" smtClean="0"/>
-              <a:t>2/27/24</a:t>
+              <a:t>12/17/2024</a:t>
             </a:fld>
             <a:endParaRPr lang="en-US"/>
           </a:p>
@@ -16181,52 +16181,30 @@
           <a:chExt cx="0" cy="0"/>
         </a:xfrm>
       </p:grpSpPr>
-      <p:sp>
-        <p:nvSpPr>
-          <p:cNvPr id="3" name="Title 2"/>
-          <p:cNvSpPr>
-            <a:spLocks noGrp="1"/>
-          </p:cNvSpPr>
-          <p:nvPr>
-            <p:ph type="title"/>
-          </p:nvPr>
-        </p:nvSpPr>
-        <p:spPr/>
-        <p:txBody>
-          <a:bodyPr/>
-          <a:lstStyle/>
-          <a:p>
-            <a:r>
-              <a:rPr lang="bg-BG" dirty="0"/>
-              <a:t>Създаване на текстов документ</a:t>
-            </a:r>
-            <a:endParaRPr lang="en-US" dirty="0"/>
-          </a:p>
-        </p:txBody>
-      </p:sp>
       <p:pic>
         <p:nvPicPr>
-          <p:cNvPr id="5" name="Picture 4"/>
+          <p:cNvPr id="4" name="Picture 3">
+            <a:extLst>
+              <a:ext uri="{FF2B5EF4-FFF2-40B4-BE49-F238E27FC236}">
+                <a16:creationId xmlns:a16="http://schemas.microsoft.com/office/drawing/2014/main" id="{656405A0-A58D-6FCA-94BA-DD3B3EC7F750}"/>
+              </a:ext>
+            </a:extLst>
+          </p:cNvPr>
           <p:cNvPicPr>
             <a:picLocks noChangeAspect="1"/>
           </p:cNvPicPr>
           <p:nvPr/>
         </p:nvPicPr>
-        <p:blipFill rotWithShape="1">
-          <a:blip r:embed="rId2">
-            <a:extLst>
-              <a:ext uri="{28A0092B-C50C-407E-A947-70E740481C1C}">
-                <a14:useLocalDpi xmlns:a14="http://schemas.microsoft.com/office/drawing/2010/main" val="0"/>
-              </a:ext>
-            </a:extLst>
-          </a:blip>
-          <a:srcRect b="12116"/>
-          <a:stretch/>
+        <p:blipFill>
+          <a:blip r:embed="rId2"/>
+          <a:stretch>
+            <a:fillRect/>
+          </a:stretch>
         </p:blipFill>
         <p:spPr>
           <a:xfrm>
-            <a:off x="473319" y="1278993"/>
-            <a:ext cx="11245363" cy="5319921"/>
+            <a:off x="1090500" y="1377693"/>
+            <a:ext cx="10011000" cy="5272647"/>
           </a:xfrm>
           <a:prstGeom prst="rect">
             <a:avLst/>
@@ -16242,19 +16220,42 @@
       </p:pic>
       <p:sp>
         <p:nvSpPr>
+          <p:cNvPr id="3" name="Title 2"/>
+          <p:cNvSpPr>
+            <a:spLocks noGrp="1"/>
+          </p:cNvSpPr>
+          <p:nvPr>
+            <p:ph type="title"/>
+          </p:nvPr>
+        </p:nvSpPr>
+        <p:spPr/>
+        <p:txBody>
+          <a:bodyPr/>
+          <a:lstStyle/>
+          <a:p>
+            <a:r>
+              <a:rPr lang="bg-BG" dirty="0"/>
+              <a:t>Създаване на текстов документ</a:t>
+            </a:r>
+            <a:endParaRPr lang="en-US" dirty="0"/>
+          </a:p>
+        </p:txBody>
+      </p:sp>
+      <p:sp>
+        <p:nvSpPr>
           <p:cNvPr id="6" name="Rounded Rectangular Callout 5"/>
           <p:cNvSpPr/>
           <p:nvPr/>
         </p:nvSpPr>
         <p:spPr bwMode="auto">
           <a:xfrm>
-            <a:off x="2927838" y="1171866"/>
+            <a:off x="4431000" y="1224000"/>
             <a:ext cx="4703885" cy="1134208"/>
           </a:xfrm>
           <a:prstGeom prst="wedgeRoundRectCallout">
             <a:avLst>
-              <a:gd name="adj1" fmla="val -84758"/>
-              <a:gd name="adj2" fmla="val 23740"/>
+              <a:gd name="adj1" fmla="val -92048"/>
+              <a:gd name="adj2" fmla="val 46582"/>
               <a:gd name="adj3" fmla="val 16667"/>
             </a:avLst>
           </a:prstGeom>
@@ -16317,7 +16318,7 @@
             <a:r>
               <a:rPr lang="en-US" sz="2800" b="1" dirty="0">
                 <a:solidFill>
-                  <a:schemeClr val="bg1">
+                  <a:schemeClr val="accent1">
                     <a:lumMod val="60000"/>
                     <a:lumOff val="40000"/>
                   </a:schemeClr>
@@ -16350,7 +16351,7 @@
             <a:r>
               <a:rPr lang="en-US" sz="2800" b="1" dirty="0">
                 <a:solidFill>
-                  <a:schemeClr val="bg1">
+                  <a:schemeClr val="accent1">
                     <a:lumMod val="60000"/>
                     <a:lumOff val="40000"/>
                   </a:schemeClr>
@@ -16376,13 +16377,13 @@
         </p:nvSpPr>
         <p:spPr bwMode="auto">
           <a:xfrm>
-            <a:off x="3748454" y="4034527"/>
+            <a:off x="5691000" y="3150145"/>
             <a:ext cx="4695092" cy="1222131"/>
           </a:xfrm>
           <a:prstGeom prst="wedgeRoundRectCallout">
             <a:avLst>
-              <a:gd name="adj1" fmla="val -70083"/>
-              <a:gd name="adj2" fmla="val -53327"/>
+              <a:gd name="adj1" fmla="val -76088"/>
+              <a:gd name="adj2" fmla="val -34622"/>
               <a:gd name="adj3" fmla="val 16667"/>
             </a:avLst>
           </a:prstGeom>
@@ -16445,7 +16446,7 @@
             <a:r>
               <a:rPr lang="bg-BG" sz="2800" b="1" dirty="0">
                 <a:solidFill>
-                  <a:schemeClr val="bg1">
+                  <a:schemeClr val="accent1">
                     <a:lumMod val="60000"/>
                     <a:lumOff val="40000"/>
                   </a:schemeClr>
@@ -16528,8 +16529,8 @@
         </p:nvSpPr>
         <p:spPr bwMode="auto">
           <a:xfrm flipH="1">
-            <a:off x="1529859" y="2514600"/>
-            <a:ext cx="1116623" cy="1519927"/>
+            <a:off x="2935839" y="2358208"/>
+            <a:ext cx="1395000" cy="2105792"/>
           </a:xfrm>
           <a:prstGeom prst="rect">
             <a:avLst/>
@@ -16837,27 +16838,28 @@
       </p:grpSpPr>
       <p:pic>
         <p:nvPicPr>
-          <p:cNvPr id="17" name="Picture 16"/>
+          <p:cNvPr id="6" name="Picture 5">
+            <a:extLst>
+              <a:ext uri="{FF2B5EF4-FFF2-40B4-BE49-F238E27FC236}">
+                <a16:creationId xmlns:a16="http://schemas.microsoft.com/office/drawing/2014/main" id="{EB031A5C-1FED-C54C-B263-3352BF0AD190}"/>
+              </a:ext>
+            </a:extLst>
+          </p:cNvPr>
           <p:cNvPicPr>
             <a:picLocks noChangeAspect="1"/>
           </p:cNvPicPr>
           <p:nvPr/>
         </p:nvPicPr>
-        <p:blipFill rotWithShape="1">
-          <a:blip r:embed="rId2">
-            <a:extLst>
-              <a:ext uri="{28A0092B-C50C-407E-A947-70E740481C1C}">
-                <a14:useLocalDpi xmlns:a14="http://schemas.microsoft.com/office/drawing/2010/main" val="0"/>
-              </a:ext>
-            </a:extLst>
-          </a:blip>
-          <a:srcRect b="3807"/>
-          <a:stretch/>
+        <p:blipFill>
+          <a:blip r:embed="rId2"/>
+          <a:stretch>
+            <a:fillRect/>
+          </a:stretch>
         </p:blipFill>
         <p:spPr>
           <a:xfrm>
-            <a:off x="473318" y="1278993"/>
-            <a:ext cx="11245363" cy="5328032"/>
+            <a:off x="908017" y="1292380"/>
+            <a:ext cx="10375967" cy="5464870"/>
           </a:xfrm>
           <a:prstGeom prst="rect">
             <a:avLst/>
@@ -16873,13 +16875,78 @@
       </p:pic>
       <p:sp>
         <p:nvSpPr>
+          <p:cNvPr id="14" name="Rectangle 13"/>
+          <p:cNvSpPr/>
+          <p:nvPr/>
+        </p:nvSpPr>
+        <p:spPr bwMode="auto">
+          <a:xfrm>
+            <a:off x="1416000" y="3307751"/>
+            <a:ext cx="9405000" cy="3258890"/>
+          </a:xfrm>
+          <a:prstGeom prst="rect">
+            <a:avLst/>
+          </a:prstGeom>
+          <a:noFill/>
+          <a:ln w="38100">
+            <a:solidFill>
+              <a:schemeClr val="bg1">
+                <a:alpha val="80000"/>
+              </a:schemeClr>
+            </a:solidFill>
+          </a:ln>
+          <a:effectLst/>
+        </p:spPr>
+        <p:style>
+          <a:lnRef idx="2">
+            <a:schemeClr val="accent1">
+              <a:shade val="50000"/>
+            </a:schemeClr>
+          </a:lnRef>
+          <a:fillRef idx="1001">
+            <a:schemeClr val="dk2"/>
+          </a:fillRef>
+          <a:effectRef idx="0">
+            <a:schemeClr val="accent1"/>
+          </a:effectRef>
+          <a:fontRef idx="minor">
+            <a:schemeClr val="lt1"/>
+          </a:fontRef>
+        </p:style>
+        <p:txBody>
+          <a:bodyPr rot="0" spcFirstLastPara="0" vertOverflow="overflow" horzOverflow="overflow" vert="horz" wrap="square" lIns="91440" tIns="45720" rIns="91440" bIns="45720" numCol="1" spcCol="0" rtlCol="0" fromWordArt="0" anchor="ctr" anchorCtr="0" forceAA="0" compatLnSpc="1">
+            <a:prstTxWarp prst="textNoShape">
+              <a:avLst/>
+            </a:prstTxWarp>
+            <a:noAutofit/>
+          </a:bodyPr>
+          <a:lstStyle/>
+          <a:p>
+            <a:pPr algn="ctr"/>
+            <a:endParaRPr lang="en-US" sz="2800" b="1" dirty="0">
+              <a:solidFill>
+                <a:srgbClr val="FFFFFF"/>
+              </a:solidFill>
+              <a:effectLst>
+                <a:outerShdw blurRad="38100" dist="38100" dir="2700000" algn="tl">
+                  <a:srgbClr val="000000">
+                    <a:alpha val="43137"/>
+                  </a:srgbClr>
+                </a:outerShdw>
+              </a:effectLst>
+            </a:endParaRPr>
+          </a:p>
+        </p:txBody>
+      </p:sp>
+      <p:sp>
+        <p:nvSpPr>
           <p:cNvPr id="12" name="Rounded Rectangular Callout 11"/>
           <p:cNvSpPr/>
           <p:nvPr/>
         </p:nvSpPr>
         <p:spPr bwMode="auto">
           <a:xfrm>
-            <a:off x="940329" y="2430354"/>
+            <a:off x="1506001" y="3429699"/>
             <a:ext cx="3821723" cy="686171"/>
           </a:xfrm>
           <a:prstGeom prst="wedgeRoundRectCallout">
@@ -16979,8 +17046,8 @@
         </p:nvSpPr>
         <p:spPr bwMode="auto">
           <a:xfrm>
-            <a:off x="473319" y="1457567"/>
-            <a:ext cx="4662562" cy="123584"/>
+            <a:off x="952500" y="1751259"/>
+            <a:ext cx="10228500" cy="236519"/>
           </a:xfrm>
           <a:prstGeom prst="rect">
             <a:avLst/>
@@ -17044,8 +17111,8 @@
         </p:nvSpPr>
         <p:spPr bwMode="auto">
           <a:xfrm>
-            <a:off x="489987" y="1581152"/>
-            <a:ext cx="10766182" cy="457430"/>
+            <a:off x="952500" y="1997271"/>
+            <a:ext cx="10228500" cy="922992"/>
           </a:xfrm>
           <a:prstGeom prst="rect">
             <a:avLst/>
@@ -17109,8 +17176,8 @@
         </p:nvSpPr>
         <p:spPr bwMode="auto">
           <a:xfrm>
-            <a:off x="473318" y="6496050"/>
-            <a:ext cx="11245363" cy="127072"/>
+            <a:off x="901360" y="6566642"/>
+            <a:ext cx="10375968" cy="190607"/>
           </a:xfrm>
           <a:prstGeom prst="rect">
             <a:avLst/>
@@ -17174,13 +17241,13 @@
         </p:nvSpPr>
         <p:spPr bwMode="auto">
           <a:xfrm>
-            <a:off x="4943428" y="2245704"/>
+            <a:off x="5417724" y="3347438"/>
             <a:ext cx="2910254" cy="677377"/>
           </a:xfrm>
           <a:prstGeom prst="wedgeRoundRectCallout">
             <a:avLst>
-              <a:gd name="adj1" fmla="val -47847"/>
-              <a:gd name="adj2" fmla="val -139978"/>
+              <a:gd name="adj1" fmla="val -52385"/>
+              <a:gd name="adj2" fmla="val -250971"/>
               <a:gd name="adj3" fmla="val 16667"/>
             </a:avLst>
           </a:prstGeom>
@@ -17257,84 +17324,19 @@
       </p:sp>
       <p:sp>
         <p:nvSpPr>
-          <p:cNvPr id="14" name="Rectangle 13"/>
-          <p:cNvSpPr/>
-          <p:nvPr/>
-        </p:nvSpPr>
-        <p:spPr bwMode="auto">
-          <a:xfrm>
-            <a:off x="2769577" y="3000769"/>
-            <a:ext cx="6479932" cy="3495281"/>
-          </a:xfrm>
-          <a:prstGeom prst="rect">
-            <a:avLst/>
-          </a:prstGeom>
-          <a:noFill/>
-          <a:ln w="38100">
-            <a:solidFill>
-              <a:schemeClr val="bg1">
-                <a:alpha val="80000"/>
-              </a:schemeClr>
-            </a:solidFill>
-          </a:ln>
-          <a:effectLst/>
-        </p:spPr>
-        <p:style>
-          <a:lnRef idx="2">
-            <a:schemeClr val="accent1">
-              <a:shade val="50000"/>
-            </a:schemeClr>
-          </a:lnRef>
-          <a:fillRef idx="1001">
-            <a:schemeClr val="dk2"/>
-          </a:fillRef>
-          <a:effectRef idx="0">
-            <a:schemeClr val="accent1"/>
-          </a:effectRef>
-          <a:fontRef idx="minor">
-            <a:schemeClr val="lt1"/>
-          </a:fontRef>
-        </p:style>
-        <p:txBody>
-          <a:bodyPr rot="0" spcFirstLastPara="0" vertOverflow="overflow" horzOverflow="overflow" vert="horz" wrap="square" lIns="91440" tIns="45720" rIns="91440" bIns="45720" numCol="1" spcCol="0" rtlCol="0" fromWordArt="0" anchor="ctr" anchorCtr="0" forceAA="0" compatLnSpc="1">
-            <a:prstTxWarp prst="textNoShape">
-              <a:avLst/>
-            </a:prstTxWarp>
-            <a:noAutofit/>
-          </a:bodyPr>
-          <a:lstStyle/>
-          <a:p>
-            <a:pPr algn="ctr"/>
-            <a:endParaRPr lang="en-US" sz="2800" b="1" dirty="0">
-              <a:solidFill>
-                <a:srgbClr val="FFFFFF"/>
-              </a:solidFill>
-              <a:effectLst>
-                <a:outerShdw blurRad="38100" dist="38100" dir="2700000" algn="tl">
-                  <a:srgbClr val="000000">
-                    <a:alpha val="43137"/>
-                  </a:srgbClr>
-                </a:outerShdw>
-              </a:effectLst>
-            </a:endParaRPr>
-          </a:p>
-        </p:txBody>
-      </p:sp>
-      <p:sp>
-        <p:nvSpPr>
           <p:cNvPr id="11" name="Rounded Rectangular Callout 10"/>
           <p:cNvSpPr/>
           <p:nvPr/>
         </p:nvSpPr>
         <p:spPr bwMode="auto">
           <a:xfrm>
-            <a:off x="8248767" y="2631492"/>
+            <a:off x="8464460" y="3686685"/>
             <a:ext cx="3603051" cy="676259"/>
           </a:xfrm>
           <a:prstGeom prst="wedgeRoundRectCallout">
             <a:avLst>
-              <a:gd name="adj1" fmla="val 4370"/>
-              <a:gd name="adj2" fmla="val -142262"/>
+              <a:gd name="adj1" fmla="val 140"/>
+              <a:gd name="adj2" fmla="val -172310"/>
               <a:gd name="adj3" fmla="val 16667"/>
             </a:avLst>
           </a:prstGeom>
@@ -17417,13 +17419,13 @@
         </p:nvSpPr>
         <p:spPr bwMode="auto">
           <a:xfrm>
-            <a:off x="940328" y="2429655"/>
+            <a:off x="1506000" y="3429000"/>
             <a:ext cx="3821724" cy="677377"/>
           </a:xfrm>
           <a:prstGeom prst="wedgeRoundRectCallout">
             <a:avLst>
-              <a:gd name="adj1" fmla="val -3757"/>
-              <a:gd name="adj2" fmla="val -84155"/>
+              <a:gd name="adj1" fmla="val -5086"/>
+              <a:gd name="adj2" fmla="val -87155"/>
               <a:gd name="adj3" fmla="val 16667"/>
             </a:avLst>
           </a:prstGeom>
@@ -17506,13 +17508,13 @@
         </p:nvSpPr>
         <p:spPr bwMode="auto">
           <a:xfrm>
-            <a:off x="9356409" y="4362929"/>
+            <a:off x="9515140" y="5272157"/>
             <a:ext cx="2552371" cy="647221"/>
           </a:xfrm>
           <a:prstGeom prst="wedgeRoundRectCallout">
             <a:avLst>
-              <a:gd name="adj1" fmla="val -49769"/>
-              <a:gd name="adj2" fmla="val -73979"/>
+              <a:gd name="adj1" fmla="val -46186"/>
+              <a:gd name="adj2" fmla="val -81828"/>
               <a:gd name="adj3" fmla="val 16667"/>
             </a:avLst>
           </a:prstGeom>
@@ -18198,12 +18200,12 @@
       </p:par>
     </p:tnLst>
     <p:bldLst>
+      <p:bldP spid="14" grpId="0" animBg="1"/>
       <p:bldP spid="12" grpId="0" animBg="1"/>
       <p:bldP spid="7" grpId="0" animBg="1"/>
       <p:bldP spid="8" grpId="0" animBg="1"/>
       <p:bldP spid="9" grpId="0" animBg="1"/>
       <p:bldP spid="10" grpId="0" animBg="1"/>
-      <p:bldP spid="14" grpId="0" animBg="1"/>
       <p:bldP spid="11" grpId="0" animBg="1"/>
       <p:bldP spid="13" grpId="0" animBg="1"/>
       <p:bldP spid="15" grpId="0" animBg="1"/>
@@ -18232,27 +18234,28 @@
       </p:grpSpPr>
       <p:pic>
         <p:nvPicPr>
-          <p:cNvPr id="8" name="Picture 7"/>
+          <p:cNvPr id="4" name="Picture 3">
+            <a:extLst>
+              <a:ext uri="{FF2B5EF4-FFF2-40B4-BE49-F238E27FC236}">
+                <a16:creationId xmlns:a16="http://schemas.microsoft.com/office/drawing/2014/main" id="{6B630C1B-97C6-C2D0-B261-BBD7A772D928}"/>
+              </a:ext>
+            </a:extLst>
+          </p:cNvPr>
           <p:cNvPicPr>
             <a:picLocks noChangeAspect="1"/>
           </p:cNvPicPr>
           <p:nvPr/>
         </p:nvPicPr>
-        <p:blipFill rotWithShape="1">
-          <a:blip r:embed="rId2">
-            <a:extLst>
-              <a:ext uri="{28A0092B-C50C-407E-A947-70E740481C1C}">
-                <a14:useLocalDpi xmlns:a14="http://schemas.microsoft.com/office/drawing/2010/main" val="0"/>
-              </a:ext>
-            </a:extLst>
-          </a:blip>
-          <a:srcRect b="15412"/>
-          <a:stretch/>
+        <p:blipFill>
+          <a:blip r:embed="rId2"/>
+          <a:stretch>
+            <a:fillRect/>
+          </a:stretch>
         </p:blipFill>
         <p:spPr>
           <a:xfrm>
-            <a:off x="489985" y="1279628"/>
-            <a:ext cx="11228695" cy="5342672"/>
+            <a:off x="960703" y="1246128"/>
+            <a:ext cx="10270594" cy="5409372"/>
           </a:xfrm>
           <a:prstGeom prst="rect">
             <a:avLst/>
@@ -18297,13 +18300,13 @@
         </p:nvSpPr>
         <p:spPr bwMode="auto">
           <a:xfrm>
-            <a:off x="4465027" y="2953483"/>
+            <a:off x="4836000" y="3789000"/>
             <a:ext cx="5090746" cy="1485900"/>
           </a:xfrm>
           <a:prstGeom prst="wedgeRoundRectCallout">
             <a:avLst>
-              <a:gd name="adj1" fmla="val -76064"/>
-              <a:gd name="adj2" fmla="val -16790"/>
+              <a:gd name="adj1" fmla="val -60297"/>
+              <a:gd name="adj2" fmla="val 68680"/>
               <a:gd name="adj3" fmla="val 16667"/>
             </a:avLst>
           </a:prstGeom>
@@ -18366,7 +18369,7 @@
             <a:r>
               <a:rPr lang="en-US" sz="2800" b="1" dirty="0">
                 <a:solidFill>
-                  <a:schemeClr val="bg1">
+                  <a:schemeClr val="accent1">
                     <a:lumMod val="60000"/>
                     <a:lumOff val="40000"/>
                   </a:schemeClr>
@@ -18414,7 +18417,7 @@
             <a:r>
               <a:rPr lang="en-US" sz="2800" b="1" dirty="0">
                 <a:solidFill>
-                  <a:schemeClr val="bg1">
+                  <a:schemeClr val="accent1">
                     <a:lumMod val="60000"/>
                     <a:lumOff val="40000"/>
                   </a:schemeClr>
@@ -18440,7 +18443,7 @@
         </p:nvSpPr>
         <p:spPr bwMode="auto">
           <a:xfrm flipH="1">
-            <a:off x="1419956" y="3327156"/>
+            <a:off x="2496000" y="5364000"/>
             <a:ext cx="1666144" cy="369277"/>
           </a:xfrm>
           <a:prstGeom prst="rect">
@@ -18703,27 +18706,28 @@
       </p:grpSpPr>
       <p:pic>
         <p:nvPicPr>
-          <p:cNvPr id="8" name="Picture 7"/>
+          <p:cNvPr id="5" name="Picture 4">
+            <a:extLst>
+              <a:ext uri="{FF2B5EF4-FFF2-40B4-BE49-F238E27FC236}">
+                <a16:creationId xmlns:a16="http://schemas.microsoft.com/office/drawing/2014/main" id="{E7EFCCA3-4BAA-0DEF-C101-A894A7E4FE79}"/>
+              </a:ext>
+            </a:extLst>
+          </p:cNvPr>
           <p:cNvPicPr>
             <a:picLocks noChangeAspect="1"/>
           </p:cNvPicPr>
           <p:nvPr/>
         </p:nvPicPr>
-        <p:blipFill rotWithShape="1">
-          <a:blip r:embed="rId2">
-            <a:extLst>
-              <a:ext uri="{28A0092B-C50C-407E-A947-70E740481C1C}">
-                <a14:useLocalDpi xmlns:a14="http://schemas.microsoft.com/office/drawing/2010/main" val="0"/>
-              </a:ext>
-            </a:extLst>
-          </a:blip>
-          <a:srcRect b="15630"/>
-          <a:stretch/>
+        <p:blipFill>
+          <a:blip r:embed="rId2"/>
+          <a:stretch>
+            <a:fillRect/>
+          </a:stretch>
         </p:blipFill>
         <p:spPr>
           <a:xfrm>
-            <a:off x="489985" y="1279628"/>
-            <a:ext cx="11228695" cy="5342672"/>
+            <a:off x="960703" y="1246128"/>
+            <a:ext cx="10270594" cy="5409372"/>
           </a:xfrm>
           <a:prstGeom prst="rect">
             <a:avLst/>
@@ -18762,14 +18766,91 @@
       </p:sp>
       <p:sp>
         <p:nvSpPr>
+          <p:cNvPr id="7" name="Slide Number">
+            <a:extLst>
+              <a:ext uri="{FF2B5EF4-FFF2-40B4-BE49-F238E27FC236}">
+                <a16:creationId xmlns:a16="http://schemas.microsoft.com/office/drawing/2014/main" id="{C1780DB1-0AF0-4108-AFE1-9DA99F0DBCB8}"/>
+              </a:ext>
+            </a:extLst>
+          </p:cNvPr>
+          <p:cNvSpPr>
+            <a:spLocks noGrp="1"/>
+          </p:cNvSpPr>
+          <p:nvPr>
+            <p:ph type="sldNum" sz="quarter" idx="5"/>
+          </p:nvPr>
+        </p:nvSpPr>
+        <p:spPr>
+          <a:xfrm>
+            <a:off x="11753030" y="6507000"/>
+            <a:ext cx="367414" cy="297000"/>
+          </a:xfrm>
+          <a:prstGeom prst="rect">
+            <a:avLst/>
+          </a:prstGeom>
+        </p:spPr>
+        <p:txBody>
+          <a:bodyPr vert="horz" lIns="91440" tIns="45720" rIns="91440" bIns="45720" rtlCol="0" anchor="b"/>
+          <a:lstStyle>
+            <a:lvl1pPr algn="r">
+              <a:defRPr sz="1000"/>
+            </a:lvl1pPr>
+          </a:lstStyle>
+          <a:p>
+            <a:fld id="{2BF067CD-8E6B-4360-9AA8-C5DF2A48A6D1}" type="slidenum">
+              <a:rPr lang="en-US" noProof="0" smtClean="0"/>
+              <a:pPr/>
+              <a:t>26</a:t>
+            </a:fld>
+            <a:endParaRPr lang="en-US" noProof="0" dirty="0"/>
+          </a:p>
+        </p:txBody>
+      </p:sp>
+      <p:pic>
+        <p:nvPicPr>
+          <p:cNvPr id="4" name="Picture 3">
+            <a:extLst>
+              <a:ext uri="{FF2B5EF4-FFF2-40B4-BE49-F238E27FC236}">
+                <a16:creationId xmlns:a16="http://schemas.microsoft.com/office/drawing/2014/main" id="{168A1F68-9BC9-E995-2332-ED84B4025C59}"/>
+              </a:ext>
+            </a:extLst>
+          </p:cNvPr>
+          <p:cNvPicPr>
+            <a:picLocks noChangeAspect="1"/>
+          </p:cNvPicPr>
+          <p:nvPr/>
+        </p:nvPicPr>
+        <p:blipFill>
+          <a:blip r:embed="rId3">
+            <a:extLst>
+              <a:ext uri="{28A0092B-C50C-407E-A947-70E740481C1C}">
+                <a14:useLocalDpi xmlns:a14="http://schemas.microsoft.com/office/drawing/2010/main" val="0"/>
+              </a:ext>
+            </a:extLst>
+          </a:blip>
+          <a:srcRect/>
+          <a:stretch/>
+        </p:blipFill>
+        <p:spPr>
+          <a:xfrm>
+            <a:off x="2293773" y="1619250"/>
+            <a:ext cx="6617169" cy="4149749"/>
+          </a:xfrm>
+          <a:prstGeom prst="rect">
+            <a:avLst/>
+          </a:prstGeom>
+        </p:spPr>
+      </p:pic>
+      <p:sp>
+        <p:nvSpPr>
           <p:cNvPr id="9" name="Rectangle 8"/>
           <p:cNvSpPr/>
           <p:nvPr/>
         </p:nvSpPr>
         <p:spPr bwMode="auto">
           <a:xfrm flipH="1">
-            <a:off x="2990849" y="1619250"/>
-            <a:ext cx="5705475" cy="3257550"/>
+            <a:off x="2293772" y="1649730"/>
+            <a:ext cx="6617167" cy="4119270"/>
           </a:xfrm>
           <a:prstGeom prst="rect">
             <a:avLst/>
@@ -18833,13 +18914,13 @@
         </p:nvSpPr>
         <p:spPr bwMode="auto">
           <a:xfrm>
-            <a:off x="7926396" y="5487645"/>
+            <a:off x="8160014" y="5657280"/>
             <a:ext cx="3640016" cy="1028700"/>
           </a:xfrm>
           <a:prstGeom prst="wedgeRoundRectCallout">
             <a:avLst>
-              <a:gd name="adj1" fmla="val -50543"/>
-              <a:gd name="adj2" fmla="val -104167"/>
+              <a:gd name="adj1" fmla="val -63382"/>
+              <a:gd name="adj2" fmla="val -47871"/>
               <a:gd name="adj3" fmla="val 16667"/>
             </a:avLst>
           </a:prstGeom>
@@ -18917,7 +18998,7 @@
             <a:r>
               <a:rPr lang="en-US" sz="2800" b="1" dirty="0">
                 <a:solidFill>
-                  <a:schemeClr val="bg1">
+                  <a:schemeClr val="accent1">
                     <a:lumMod val="60000"/>
                     <a:lumOff val="40000"/>
                   </a:schemeClr>
@@ -18947,48 +19028,6 @@
               </a:rPr>
               <a:t>]</a:t>
             </a:r>
-          </a:p>
-        </p:txBody>
-      </p:sp>
-      <p:sp>
-        <p:nvSpPr>
-          <p:cNvPr id="7" name="Slide Number">
-            <a:extLst>
-              <a:ext uri="{FF2B5EF4-FFF2-40B4-BE49-F238E27FC236}">
-                <a16:creationId xmlns:a16="http://schemas.microsoft.com/office/drawing/2014/main" id="{C1780DB1-0AF0-4108-AFE1-9DA99F0DBCB8}"/>
-              </a:ext>
-            </a:extLst>
-          </p:cNvPr>
-          <p:cNvSpPr>
-            <a:spLocks noGrp="1"/>
-          </p:cNvSpPr>
-          <p:nvPr>
-            <p:ph type="sldNum" sz="quarter" idx="5"/>
-          </p:nvPr>
-        </p:nvSpPr>
-        <p:spPr>
-          <a:xfrm>
-            <a:off x="11753030" y="6507000"/>
-            <a:ext cx="367414" cy="297000"/>
-          </a:xfrm>
-          <a:prstGeom prst="rect">
-            <a:avLst/>
-          </a:prstGeom>
-        </p:spPr>
-        <p:txBody>
-          <a:bodyPr vert="horz" lIns="91440" tIns="45720" rIns="91440" bIns="45720" rtlCol="0" anchor="b"/>
-          <a:lstStyle>
-            <a:lvl1pPr algn="r">
-              <a:defRPr sz="1000"/>
-            </a:lvl1pPr>
-          </a:lstStyle>
-          <a:p>
-            <a:fld id="{2BF067CD-8E6B-4360-9AA8-C5DF2A48A6D1}" type="slidenum">
-              <a:rPr lang="en-US" noProof="0" smtClean="0"/>
-              <a:pPr/>
-              <a:t>26</a:t>
-            </a:fld>
-            <a:endParaRPr lang="en-US" noProof="0" dirty="0"/>
           </a:p>
         </p:txBody>
       </p:sp>
@@ -19156,27 +19195,28 @@
       </p:grpSpPr>
       <p:pic>
         <p:nvPicPr>
-          <p:cNvPr id="7" name="Picture 6"/>
+          <p:cNvPr id="11" name="Picture 10">
+            <a:extLst>
+              <a:ext uri="{FF2B5EF4-FFF2-40B4-BE49-F238E27FC236}">
+                <a16:creationId xmlns:a16="http://schemas.microsoft.com/office/drawing/2014/main" id="{CDCC717F-0C18-DC88-D923-495E5E877679}"/>
+              </a:ext>
+            </a:extLst>
+          </p:cNvPr>
           <p:cNvPicPr>
             <a:picLocks noChangeAspect="1"/>
           </p:cNvPicPr>
           <p:nvPr/>
         </p:nvPicPr>
-        <p:blipFill rotWithShape="1">
-          <a:blip r:embed="rId2">
-            <a:extLst>
-              <a:ext uri="{28A0092B-C50C-407E-A947-70E740481C1C}">
-                <a14:useLocalDpi xmlns:a14="http://schemas.microsoft.com/office/drawing/2010/main" val="0"/>
-              </a:ext>
-            </a:extLst>
-          </a:blip>
-          <a:srcRect b="15513"/>
-          <a:stretch/>
+        <p:blipFill>
+          <a:blip r:embed="rId2"/>
+          <a:stretch>
+            <a:fillRect/>
+          </a:stretch>
         </p:blipFill>
         <p:spPr>
           <a:xfrm>
-            <a:off x="489985" y="1279628"/>
-            <a:ext cx="11228695" cy="5353260"/>
+            <a:off x="960703" y="1248408"/>
+            <a:ext cx="10270594" cy="5409372"/>
           </a:xfrm>
           <a:prstGeom prst="rect">
             <a:avLst/>
@@ -19221,8 +19261,8 @@
         </p:nvSpPr>
         <p:spPr bwMode="auto">
           <a:xfrm>
-            <a:off x="657130" y="2649413"/>
-            <a:ext cx="3150672" cy="1415563"/>
+            <a:off x="1326000" y="3249000"/>
+            <a:ext cx="4268870" cy="1184587"/>
           </a:xfrm>
           <a:prstGeom prst="wedgeRoundRectCallout">
             <a:avLst>
@@ -19290,7 +19330,7 @@
             <a:r>
               <a:rPr lang="en-US" sz="2800" b="1" dirty="0">
                 <a:solidFill>
-                  <a:schemeClr val="bg1">
+                  <a:schemeClr val="accent1">
                     <a:lumMod val="60000"/>
                     <a:lumOff val="40000"/>
                   </a:schemeClr>
@@ -19468,27 +19508,28 @@
       </p:grpSpPr>
       <p:pic>
         <p:nvPicPr>
-          <p:cNvPr id="8" name="Picture 7"/>
+          <p:cNvPr id="2" name="Picture 1">
+            <a:extLst>
+              <a:ext uri="{FF2B5EF4-FFF2-40B4-BE49-F238E27FC236}">
+                <a16:creationId xmlns:a16="http://schemas.microsoft.com/office/drawing/2014/main" id="{448B9580-F85E-1B1D-6307-212DDD43FFD6}"/>
+              </a:ext>
+            </a:extLst>
+          </p:cNvPr>
           <p:cNvPicPr>
             <a:picLocks noChangeAspect="1"/>
           </p:cNvPicPr>
           <p:nvPr/>
         </p:nvPicPr>
-        <p:blipFill rotWithShape="1">
-          <a:blip r:embed="rId3">
-            <a:extLst>
-              <a:ext uri="{28A0092B-C50C-407E-A947-70E740481C1C}">
-                <a14:useLocalDpi xmlns:a14="http://schemas.microsoft.com/office/drawing/2010/main" val="0"/>
-              </a:ext>
-            </a:extLst>
-          </a:blip>
-          <a:srcRect b="15641"/>
-          <a:stretch/>
+        <p:blipFill>
+          <a:blip r:embed="rId3"/>
+          <a:stretch>
+            <a:fillRect/>
+          </a:stretch>
         </p:blipFill>
         <p:spPr>
           <a:xfrm>
-            <a:off x="489985" y="1279628"/>
-            <a:ext cx="11228695" cy="5353260"/>
+            <a:off x="960703" y="1248408"/>
+            <a:ext cx="10270594" cy="5409372"/>
           </a:xfrm>
           <a:prstGeom prst="rect">
             <a:avLst/>
@@ -19533,13 +19574,13 @@
         </p:nvSpPr>
         <p:spPr bwMode="auto">
           <a:xfrm>
-            <a:off x="1349622" y="1826600"/>
+            <a:off x="1444870" y="2304000"/>
             <a:ext cx="4651130" cy="1503484"/>
           </a:xfrm>
           <a:prstGeom prst="wedgeRoundRectCallout">
             <a:avLst>
-              <a:gd name="adj1" fmla="val -62231"/>
-              <a:gd name="adj2" fmla="val -75658"/>
+              <a:gd name="adj1" fmla="val -28154"/>
+              <a:gd name="adj2" fmla="val -91876"/>
               <a:gd name="adj3" fmla="val 16667"/>
             </a:avLst>
           </a:prstGeom>
@@ -19602,7 +19643,7 @@
             <a:r>
               <a:rPr lang="bg-BG" sz="2800" b="1" dirty="0">
                 <a:solidFill>
-                  <a:schemeClr val="bg1">
+                  <a:schemeClr val="accent1">
                     <a:lumMod val="60000"/>
                     <a:lumOff val="40000"/>
                   </a:schemeClr>
@@ -19724,7 +19765,7 @@
             <a:r>
               <a:rPr lang="bg-BG" sz="2800" b="1" dirty="0">
                 <a:solidFill>
-                  <a:schemeClr val="bg1">
+                  <a:schemeClr val="accent1">
                     <a:lumMod val="60000"/>
                     <a:lumOff val="40000"/>
                   </a:schemeClr>
@@ -19975,27 +20016,28 @@
       </p:grpSpPr>
       <p:pic>
         <p:nvPicPr>
-          <p:cNvPr id="6" name="Picture 5"/>
+          <p:cNvPr id="4" name="Picture 3">
+            <a:extLst>
+              <a:ext uri="{FF2B5EF4-FFF2-40B4-BE49-F238E27FC236}">
+                <a16:creationId xmlns:a16="http://schemas.microsoft.com/office/drawing/2014/main" id="{968E8338-BC4D-FB16-7820-6BC106B3389A}"/>
+              </a:ext>
+            </a:extLst>
+          </p:cNvPr>
           <p:cNvPicPr>
             <a:picLocks noChangeAspect="1"/>
           </p:cNvPicPr>
           <p:nvPr/>
         </p:nvPicPr>
-        <p:blipFill rotWithShape="1">
-          <a:blip r:embed="rId3">
-            <a:extLst>
-              <a:ext uri="{28A0092B-C50C-407E-A947-70E740481C1C}">
-                <a14:useLocalDpi xmlns:a14="http://schemas.microsoft.com/office/drawing/2010/main" val="0"/>
-              </a:ext>
-            </a:extLst>
-          </a:blip>
-          <a:srcRect b="15641"/>
-          <a:stretch/>
+        <p:blipFill>
+          <a:blip r:embed="rId3"/>
+          <a:stretch>
+            <a:fillRect/>
+          </a:stretch>
         </p:blipFill>
         <p:spPr>
           <a:xfrm>
-            <a:off x="489984" y="1279628"/>
-            <a:ext cx="11222739" cy="5353260"/>
+            <a:off x="960703" y="1248408"/>
+            <a:ext cx="10270594" cy="5409372"/>
           </a:xfrm>
           <a:prstGeom prst="rect">
             <a:avLst/>
@@ -20040,13 +20082,13 @@
         </p:nvSpPr>
         <p:spPr bwMode="auto">
           <a:xfrm>
-            <a:off x="1052146" y="2307247"/>
+            <a:off x="1641000" y="2664000"/>
             <a:ext cx="3429000" cy="1134209"/>
           </a:xfrm>
           <a:prstGeom prst="wedgeRoundRectCallout">
             <a:avLst>
-              <a:gd name="adj1" fmla="val -55705"/>
-              <a:gd name="adj2" fmla="val -111918"/>
+              <a:gd name="adj1" fmla="val -57483"/>
+              <a:gd name="adj2" fmla="val -114605"/>
               <a:gd name="adj3" fmla="val 16667"/>
             </a:avLst>
           </a:prstGeom>
@@ -20124,7 +20166,7 @@
             <a:r>
               <a:rPr lang="en-US" sz="2800" b="1" dirty="0">
                 <a:solidFill>
-                  <a:schemeClr val="bg1">
+                  <a:schemeClr val="accent1">
                     <a:lumMod val="60000"/>
                     <a:lumOff val="40000"/>
                   </a:schemeClr>
@@ -20345,27 +20387,28 @@
       </p:grpSpPr>
       <p:pic>
         <p:nvPicPr>
-          <p:cNvPr id="9" name="Picture 8"/>
+          <p:cNvPr id="11" name="Picture 10">
+            <a:extLst>
+              <a:ext uri="{FF2B5EF4-FFF2-40B4-BE49-F238E27FC236}">
+                <a16:creationId xmlns:a16="http://schemas.microsoft.com/office/drawing/2014/main" id="{FA956ACB-AC77-4053-603E-D4334B859420}"/>
+              </a:ext>
+            </a:extLst>
+          </p:cNvPr>
           <p:cNvPicPr>
             <a:picLocks noChangeAspect="1"/>
           </p:cNvPicPr>
           <p:nvPr/>
         </p:nvPicPr>
-        <p:blipFill rotWithShape="1">
-          <a:blip r:embed="rId2">
-            <a:extLst>
-              <a:ext uri="{28A0092B-C50C-407E-A947-70E740481C1C}">
-                <a14:useLocalDpi xmlns:a14="http://schemas.microsoft.com/office/drawing/2010/main" val="0"/>
-              </a:ext>
-            </a:extLst>
-          </a:blip>
-          <a:srcRect b="15028"/>
-          <a:stretch/>
+        <p:blipFill>
+          <a:blip r:embed="rId2"/>
+          <a:stretch>
+            <a:fillRect/>
+          </a:stretch>
         </p:blipFill>
         <p:spPr>
           <a:xfrm>
-            <a:off x="489984" y="1279627"/>
-            <a:ext cx="11222739" cy="5353261"/>
+            <a:off x="960703" y="1248408"/>
+            <a:ext cx="10270594" cy="5409372"/>
           </a:xfrm>
           <a:prstGeom prst="rect">
             <a:avLst/>
@@ -20377,6 +20420,36 @@
               </a:schemeClr>
             </a:solidFill>
           </a:ln>
+        </p:spPr>
+      </p:pic>
+      <p:pic>
+        <p:nvPicPr>
+          <p:cNvPr id="13" name="Picture 12">
+            <a:extLst>
+              <a:ext uri="{FF2B5EF4-FFF2-40B4-BE49-F238E27FC236}">
+                <a16:creationId xmlns:a16="http://schemas.microsoft.com/office/drawing/2014/main" id="{41392E39-FCFA-9753-A796-079EFA6D185E}"/>
+              </a:ext>
+            </a:extLst>
+          </p:cNvPr>
+          <p:cNvPicPr>
+            <a:picLocks noChangeAspect="1"/>
+          </p:cNvPicPr>
+          <p:nvPr/>
+        </p:nvPicPr>
+        <p:blipFill>
+          <a:blip r:embed="rId3"/>
+          <a:stretch>
+            <a:fillRect/>
+          </a:stretch>
+        </p:blipFill>
+        <p:spPr>
+          <a:xfrm>
+            <a:off x="2766000" y="1539000"/>
+            <a:ext cx="7000704" cy="4635000"/>
+          </a:xfrm>
+          <a:prstGeom prst="rect">
+            <a:avLst/>
+          </a:prstGeom>
         </p:spPr>
       </p:pic>
       <p:sp>
@@ -20410,13 +20483,13 @@
         </p:nvSpPr>
         <p:spPr bwMode="auto">
           <a:xfrm>
-            <a:off x="562708" y="5547099"/>
+            <a:off x="1281000" y="5702174"/>
             <a:ext cx="5380893" cy="1055076"/>
           </a:xfrm>
           <a:prstGeom prst="wedgeRoundRectCallout">
             <a:avLst>
-              <a:gd name="adj1" fmla="val -43219"/>
-              <a:gd name="adj2" fmla="val -316082"/>
+              <a:gd name="adj1" fmla="val -37554"/>
+              <a:gd name="adj2" fmla="val -96526"/>
               <a:gd name="adj3" fmla="val 16667"/>
             </a:avLst>
           </a:prstGeom>
@@ -20479,6 +20552,24 @@
             <a:r>
               <a:rPr lang="en-US" sz="2800" b="1" dirty="0">
                 <a:solidFill>
+                  <a:schemeClr val="accent1">
+                    <a:lumMod val="60000"/>
+                    <a:lumOff val="40000"/>
+                  </a:schemeClr>
+                </a:solidFill>
+                <a:effectLst>
+                  <a:outerShdw blurRad="38100" dist="38100" dir="2700000" algn="tl">
+                    <a:srgbClr val="000000">
+                      <a:alpha val="43137"/>
+                    </a:srgbClr>
+                  </a:outerShdw>
+                </a:effectLst>
+              </a:rPr>
+              <a:t>Save As</a:t>
+            </a:r>
+            <a:r>
+              <a:rPr lang="en-US" sz="2800" b="1" dirty="0">
+                <a:solidFill>
                   <a:schemeClr val="bg1">
                     <a:lumMod val="60000"/>
                     <a:lumOff val="40000"/>
@@ -20492,7 +20583,7 @@
                   </a:outerShdw>
                 </a:effectLst>
               </a:rPr>
-              <a:t>Save As </a:t>
+              <a:t> </a:t>
             </a:r>
             <a:r>
               <a:rPr lang="bg-BG" sz="2800" b="1" dirty="0">
@@ -20532,13 +20623,13 @@
         </p:nvSpPr>
         <p:spPr bwMode="auto">
           <a:xfrm>
-            <a:off x="8947234" y="1749669"/>
+            <a:off x="8524001" y="2408606"/>
             <a:ext cx="3048000" cy="1552794"/>
           </a:xfrm>
           <a:prstGeom prst="wedgeRoundRectCallout">
             <a:avLst>
-              <a:gd name="adj1" fmla="val -62431"/>
-              <a:gd name="adj2" fmla="val 107744"/>
+              <a:gd name="adj1" fmla="val -39098"/>
+              <a:gd name="adj2" fmla="val 75683"/>
               <a:gd name="adj3" fmla="val 16667"/>
             </a:avLst>
           </a:prstGeom>
@@ -20601,7 +20692,7 @@
             <a:r>
               <a:rPr lang="bg-BG" sz="2800" b="1" dirty="0">
                 <a:solidFill>
-                  <a:schemeClr val="bg1">
+                  <a:schemeClr val="accent1">
                     <a:lumMod val="60000"/>
                     <a:lumOff val="40000"/>
                   </a:schemeClr>
@@ -20634,7 +20725,7 @@
             <a:r>
               <a:rPr lang="bg-BG" sz="2800" b="1" dirty="0">
                 <a:solidFill>
-                  <a:schemeClr val="bg1">
+                  <a:schemeClr val="accent1">
                     <a:lumMod val="60000"/>
                     <a:lumOff val="40000"/>
                   </a:schemeClr>
@@ -20687,8 +20778,8 @@
         </p:nvSpPr>
         <p:spPr bwMode="auto">
           <a:xfrm flipH="1">
-            <a:off x="3703026" y="4221040"/>
-            <a:ext cx="5244208" cy="369277"/>
+            <a:off x="3126000" y="4419000"/>
+            <a:ext cx="6640704" cy="585000"/>
           </a:xfrm>
           <a:prstGeom prst="rect">
             <a:avLst/>
@@ -20696,7 +20787,7 @@
           <a:noFill/>
           <a:ln w="38100">
             <a:solidFill>
-              <a:schemeClr val="bg1">
+              <a:schemeClr val="tx1">
                 <a:alpha val="80000"/>
               </a:schemeClr>
             </a:solidFill>
@@ -21553,7 +21644,7 @@
             <a:r>
               <a:rPr lang="bg-BG" sz="3200" b="1" dirty="0">
                 <a:solidFill>
-                  <a:schemeClr val="bg1">
+                  <a:schemeClr val="accent1">
                     <a:lumMod val="60000"/>
                     <a:lumOff val="40000"/>
                   </a:schemeClr>
@@ -21694,7 +21785,7 @@
             <a:r>
               <a:rPr lang="bg-BG" sz="3200" b="1" dirty="0">
                 <a:solidFill>
-                  <a:schemeClr val="bg1">
+                  <a:schemeClr val="accent1">
                     <a:lumMod val="60000"/>
                     <a:lumOff val="40000"/>
                   </a:schemeClr>
@@ -21815,7 +21906,7 @@
             <a:r>
               <a:rPr lang="bg-BG" sz="3200" b="1" dirty="0">
                 <a:solidFill>
-                  <a:schemeClr val="bg1">
+                  <a:schemeClr val="accent1">
                     <a:lumMod val="60000"/>
                     <a:lumOff val="40000"/>
                   </a:schemeClr>
@@ -21825,7 +21916,7 @@
             </a:r>
             <a:endParaRPr lang="en-US" sz="3200" b="1" dirty="0">
               <a:solidFill>
-                <a:schemeClr val="bg1">
+                <a:schemeClr val="accent1">
                   <a:lumMod val="60000"/>
                   <a:lumOff val="40000"/>
                 </a:schemeClr>
@@ -21930,7 +22021,7 @@
                                         <p:tgtEl>
                                           <p:spTgt spid="15">
                                             <p:txEl>
-                                              <p:pRg st="2" end="2"/>
+                                              <p:pRg st="1" end="1"/>
                                             </p:txEl>
                                           </p:spTgt>
                                         </p:tgtEl>
@@ -21979,6 +22070,55 @@
                                         <p:tgtEl>
                                           <p:spTgt spid="15">
                                             <p:txEl>
+                                              <p:pRg st="2" end="2"/>
+                                            </p:txEl>
+                                          </p:spTgt>
+                                        </p:tgtEl>
+                                        <p:attrNameLst>
+                                          <p:attrName>style.visibility</p:attrName>
+                                        </p:attrNameLst>
+                                      </p:cBhvr>
+                                      <p:to>
+                                        <p:strVal val="visible"/>
+                                      </p:to>
+                                    </p:set>
+                                  </p:childTnLst>
+                                </p:cTn>
+                              </p:par>
+                            </p:childTnLst>
+                          </p:cTn>
+                        </p:par>
+                      </p:childTnLst>
+                    </p:cTn>
+                  </p:par>
+                  <p:par>
+                    <p:cTn id="11" fill="hold">
+                      <p:stCondLst>
+                        <p:cond delay="indefinite"/>
+                      </p:stCondLst>
+                      <p:childTnLst>
+                        <p:par>
+                          <p:cTn id="12" fill="hold">
+                            <p:stCondLst>
+                              <p:cond delay="0"/>
+                            </p:stCondLst>
+                            <p:childTnLst>
+                              <p:par>
+                                <p:cTn id="13" presetID="1" presetClass="entr" presetSubtype="0" fill="hold" nodeType="clickEffect">
+                                  <p:stCondLst>
+                                    <p:cond delay="0"/>
+                                  </p:stCondLst>
+                                  <p:childTnLst>
+                                    <p:set>
+                                      <p:cBhvr>
+                                        <p:cTn id="14" dur="1" fill="hold">
+                                          <p:stCondLst>
+                                            <p:cond delay="0"/>
+                                          </p:stCondLst>
+                                        </p:cTn>
+                                        <p:tgtEl>
+                                          <p:spTgt spid="15">
+                                            <p:txEl>
                                               <p:pRg st="3" end="3"/>
                                             </p:txEl>
                                           </p:spTgt>
@@ -21994,15 +22134,33 @@
                                   </p:childTnLst>
                                 </p:cTn>
                               </p:par>
+                            </p:childTnLst>
+                          </p:cTn>
+                        </p:par>
+                      </p:childTnLst>
+                    </p:cTn>
+                  </p:par>
+                  <p:par>
+                    <p:cTn id="15" fill="hold">
+                      <p:stCondLst>
+                        <p:cond delay="indefinite"/>
+                      </p:stCondLst>
+                      <p:childTnLst>
+                        <p:par>
+                          <p:cTn id="16" fill="hold">
+                            <p:stCondLst>
+                              <p:cond delay="0"/>
+                            </p:stCondLst>
+                            <p:childTnLst>
                               <p:par>
-                                <p:cTn id="11" presetID="1" presetClass="entr" presetSubtype="0" fill="hold" nodeType="withEffect">
+                                <p:cTn id="17" presetID="1" presetClass="entr" presetSubtype="0" fill="hold" nodeType="clickEffect">
                                   <p:stCondLst>
                                     <p:cond delay="0"/>
                                   </p:stCondLst>
                                   <p:childTnLst>
                                     <p:set>
                                       <p:cBhvr>
-                                        <p:cTn id="12" dur="1" fill="hold">
+                                        <p:cTn id="18" dur="1" fill="hold">
                                           <p:stCondLst>
                                             <p:cond delay="0"/>
                                           </p:stCondLst>
@@ -22032,26 +22190,26 @@
                     </p:cTn>
                   </p:par>
                   <p:par>
-                    <p:cTn id="13" fill="hold">
+                    <p:cTn id="19" fill="hold">
                       <p:stCondLst>
                         <p:cond delay="indefinite"/>
                       </p:stCondLst>
                       <p:childTnLst>
                         <p:par>
-                          <p:cTn id="14" fill="hold">
+                          <p:cTn id="20" fill="hold">
                             <p:stCondLst>
                               <p:cond delay="0"/>
                             </p:stCondLst>
                             <p:childTnLst>
                               <p:par>
-                                <p:cTn id="15" presetID="1" presetClass="entr" presetSubtype="0" fill="hold" nodeType="clickEffect">
+                                <p:cTn id="21" presetID="1" presetClass="entr" presetSubtype="0" fill="hold" nodeType="clickEffect">
                                   <p:stCondLst>
                                     <p:cond delay="0"/>
                                   </p:stCondLst>
                                   <p:childTnLst>
                                     <p:set>
                                       <p:cBhvr>
-                                        <p:cTn id="16" dur="1" fill="hold">
+                                        <p:cTn id="22" dur="1" fill="hold">
                                           <p:stCondLst>
                                             <p:cond delay="0"/>
                                           </p:stCondLst>
@@ -22296,7 +22454,7 @@
 </file>
 
 <file path=ppt/slides/slide33.xml><?xml version="1.0" encoding="utf-8"?>
-<p:sld xmlns:a="http://schemas.openxmlformats.org/drawingml/2006/main" xmlns:r="http://schemas.openxmlformats.org/officeDocument/2006/relationships" xmlns:p="http://schemas.openxmlformats.org/presentationml/2006/main">
+<p:sld xmlns:a="http://schemas.openxmlformats.org/drawingml/2006/main" xmlns:r="http://schemas.openxmlformats.org/officeDocument/2006/relationships" xmlns:p="http://schemas.openxmlformats.org/presentationml/2006/main" show="0">
   <p:cSld>
     <p:spTree>
       <p:nvGrpSpPr>
@@ -22667,11 +22825,11 @@
   <p:clrMapOvr>
     <a:masterClrMapping/>
   </p:clrMapOvr>
-  <mc:AlternateContent xmlns:mc="http://schemas.openxmlformats.org/markup-compatibility/2006" xmlns:p14="http://schemas.microsoft.com/office/powerpoint/2010/main">
-    <mc:Choice Requires="p14">
+  <mc:AlternateContent xmlns:mc="http://schemas.openxmlformats.org/markup-compatibility/2006">
+    <mc:Choice xmlns:p14="http://schemas.microsoft.com/office/powerpoint/2010/main" Requires="p14">
       <p:transition spd="slow" p14:dur="2000" advClick="0" advTm="5000"/>
     </mc:Choice>
-    <mc:Fallback xmlns="">
+    <mc:Fallback>
       <p:transition spd="slow" advClick="0" advTm="5000"/>
     </mc:Fallback>
   </mc:AlternateContent>
@@ -23177,7 +23335,7 @@
               </a:ext>
             </a:extLst>
           </a:blip>
-          <a:srcRect b="9564"/>
+          <a:srcRect t="79" b="19699"/>
           <a:stretch/>
         </p:blipFill>
         <p:spPr>
@@ -23224,8 +23382,8 @@
         </p:nvSpPr>
         <p:spPr bwMode="auto">
           <a:xfrm>
-            <a:off x="2509471" y="3432429"/>
-            <a:ext cx="6755179" cy="743917"/>
+            <a:off x="1770821" y="4215083"/>
+            <a:ext cx="8285177" cy="1046285"/>
           </a:xfrm>
           <a:prstGeom prst="rect">
             <a:avLst/>
@@ -23290,13 +23448,13 @@
         </p:nvSpPr>
         <p:spPr bwMode="auto">
           <a:xfrm>
-            <a:off x="365292" y="1514411"/>
-            <a:ext cx="3230255" cy="993531"/>
+            <a:off x="1236000" y="2524641"/>
+            <a:ext cx="3285000" cy="1046285"/>
           </a:xfrm>
           <a:prstGeom prst="wedgeRoundRectCallout">
             <a:avLst>
-              <a:gd name="adj1" fmla="val 57902"/>
-              <a:gd name="adj2" fmla="val 126124"/>
+              <a:gd name="adj1" fmla="val 37983"/>
+              <a:gd name="adj2" fmla="val 102070"/>
               <a:gd name="adj3" fmla="val 16667"/>
             </a:avLst>
           </a:prstGeom>
@@ -23379,13 +23537,13 @@
         </p:nvSpPr>
         <p:spPr bwMode="auto">
           <a:xfrm>
-            <a:off x="7750633" y="1488033"/>
+            <a:off x="7356000" y="2382715"/>
             <a:ext cx="3748551" cy="1046285"/>
           </a:xfrm>
           <a:prstGeom prst="wedgeRoundRectCallout">
             <a:avLst>
-              <a:gd name="adj1" fmla="val -33265"/>
-              <a:gd name="adj2" fmla="val 119643"/>
+              <a:gd name="adj1" fmla="val -26327"/>
+              <a:gd name="adj2" fmla="val 130868"/>
               <a:gd name="adj3" fmla="val 16667"/>
             </a:avLst>
           </a:prstGeom>
@@ -23460,96 +23618,104 @@
           </a:p>
         </p:txBody>
       </p:sp>
+      <p:sp>
+        <p:nvSpPr>
+          <p:cNvPr id="12" name="Rectangle 11"/>
+          <p:cNvSpPr/>
+          <p:nvPr/>
+        </p:nvSpPr>
+        <p:spPr bwMode="auto">
+          <a:xfrm>
+            <a:off x="7761000" y="4329000"/>
+            <a:ext cx="2295000" cy="410210"/>
+          </a:xfrm>
+          <a:prstGeom prst="rect">
+            <a:avLst/>
+          </a:prstGeom>
+          <a:noFill/>
+          <a:ln w="38100">
+            <a:solidFill>
+              <a:schemeClr val="tx1">
+                <a:lumMod val="75000"/>
+                <a:alpha val="80000"/>
+              </a:schemeClr>
+            </a:solidFill>
+          </a:ln>
+          <a:effectLst/>
+        </p:spPr>
+        <p:style>
+          <a:lnRef idx="2">
+            <a:schemeClr val="accent1">
+              <a:shade val="50000"/>
+            </a:schemeClr>
+          </a:lnRef>
+          <a:fillRef idx="1001">
+            <a:schemeClr val="dk2"/>
+          </a:fillRef>
+          <a:effectRef idx="0">
+            <a:schemeClr val="accent1"/>
+          </a:effectRef>
+          <a:fontRef idx="minor">
+            <a:schemeClr val="lt1"/>
+          </a:fontRef>
+        </p:style>
+        <p:txBody>
+          <a:bodyPr rot="0" spcFirstLastPara="0" vertOverflow="overflow" horzOverflow="overflow" vert="horz" wrap="square" lIns="91440" tIns="45720" rIns="91440" bIns="45720" numCol="1" spcCol="0" rtlCol="0" fromWordArt="0" anchor="ctr" anchorCtr="0" forceAA="0" compatLnSpc="1">
+            <a:prstTxWarp prst="textNoShape">
+              <a:avLst/>
+            </a:prstTxWarp>
+            <a:noAutofit/>
+          </a:bodyPr>
+          <a:lstStyle/>
+          <a:p>
+            <a:pPr algn="ctr"/>
+            <a:endParaRPr lang="en-US" sz="2800" b="1" dirty="0">
+              <a:solidFill>
+                <a:srgbClr val="FFFFFF"/>
+              </a:solidFill>
+              <a:effectLst>
+                <a:outerShdw blurRad="38100" dist="38100" dir="2700000" algn="tl">
+                  <a:srgbClr val="000000">
+                    <a:alpha val="43137"/>
+                  </a:srgbClr>
+                </a:outerShdw>
+              </a:effectLst>
+            </a:endParaRPr>
+          </a:p>
+        </p:txBody>
+      </p:sp>
       <p:grpSp>
         <p:nvGrpSpPr>
-          <p:cNvPr id="50" name="Group 49"/>
+          <p:cNvPr id="28" name="Group 27">
+            <a:extLst>
+              <a:ext uri="{FF2B5EF4-FFF2-40B4-BE49-F238E27FC236}">
+                <a16:creationId xmlns:a16="http://schemas.microsoft.com/office/drawing/2014/main" id="{9D1CB593-66A6-09C5-D502-3B55D94C3018}"/>
+              </a:ext>
+            </a:extLst>
+          </p:cNvPr>
           <p:cNvGrpSpPr/>
           <p:nvPr/>
         </p:nvGrpSpPr>
         <p:grpSpPr>
           <a:xfrm>
-            <a:off x="7397750" y="3432429"/>
-            <a:ext cx="1866900" cy="309199"/>
-            <a:chOff x="7397750" y="3432429"/>
-            <a:chExt cx="1866900" cy="309199"/>
+            <a:off x="7995525" y="4312343"/>
+            <a:ext cx="1805715" cy="425882"/>
+            <a:chOff x="7995525" y="4312343"/>
+            <a:chExt cx="1805715" cy="425882"/>
           </a:xfrm>
         </p:grpSpPr>
-        <p:sp>
-          <p:nvSpPr>
-            <p:cNvPr id="12" name="Rectangle 11"/>
-            <p:cNvSpPr/>
-            <p:nvPr/>
-          </p:nvSpPr>
-          <p:spPr bwMode="auto">
-            <a:xfrm>
-              <a:off x="7397750" y="3438905"/>
-              <a:ext cx="1866900" cy="288545"/>
-            </a:xfrm>
-            <a:prstGeom prst="rect">
-              <a:avLst/>
-            </a:prstGeom>
-            <a:noFill/>
-            <a:ln w="38100">
-              <a:solidFill>
-                <a:schemeClr val="tx1">
-                  <a:lumMod val="75000"/>
-                  <a:alpha val="80000"/>
-                </a:schemeClr>
-              </a:solidFill>
-            </a:ln>
-            <a:effectLst/>
-          </p:spPr>
-          <p:style>
-            <a:lnRef idx="2">
-              <a:schemeClr val="accent1">
-                <a:shade val="50000"/>
-              </a:schemeClr>
-            </a:lnRef>
-            <a:fillRef idx="1001">
-              <a:schemeClr val="dk2"/>
-            </a:fillRef>
-            <a:effectRef idx="0">
-              <a:schemeClr val="accent1"/>
-            </a:effectRef>
-            <a:fontRef idx="minor">
-              <a:schemeClr val="lt1"/>
-            </a:fontRef>
-          </p:style>
-          <p:txBody>
-            <a:bodyPr rot="0" spcFirstLastPara="0" vertOverflow="overflow" horzOverflow="overflow" vert="horz" wrap="square" lIns="91440" tIns="45720" rIns="91440" bIns="45720" numCol="1" spcCol="0" rtlCol="0" fromWordArt="0" anchor="ctr" anchorCtr="0" forceAA="0" compatLnSpc="1">
-              <a:prstTxWarp prst="textNoShape">
-                <a:avLst/>
-              </a:prstTxWarp>
-              <a:noAutofit/>
-            </a:bodyPr>
-            <a:lstStyle/>
-            <a:p>
-              <a:pPr algn="ctr"/>
-              <a:endParaRPr lang="en-US" sz="2800" b="1" dirty="0">
-                <a:solidFill>
-                  <a:srgbClr val="FFFFFF"/>
-                </a:solidFill>
-                <a:effectLst>
-                  <a:outerShdw blurRad="38100" dist="38100" dir="2700000" algn="tl">
-                    <a:srgbClr val="000000">
-                      <a:alpha val="43137"/>
-                    </a:srgbClr>
-                  </a:outerShdw>
-                </a:effectLst>
-              </a:endParaRPr>
-            </a:p>
-          </p:txBody>
-        </p:sp>
         <p:cxnSp>
           <p:nvCxnSpPr>
             <p:cNvPr id="14" name="Straight Connector 13"/>
-            <p:cNvCxnSpPr/>
+            <p:cNvCxnSpPr>
+              <a:cxnSpLocks/>
+            </p:cNvCxnSpPr>
             <p:nvPr/>
           </p:nvCxnSpPr>
           <p:spPr>
             <a:xfrm flipV="1">
-              <a:off x="7569200" y="3442478"/>
-              <a:ext cx="1650" cy="291448"/>
+              <a:off x="7995525" y="4329000"/>
+              <a:ext cx="0" cy="409225"/>
             </a:xfrm>
             <a:prstGeom prst="line">
               <a:avLst/>
@@ -23579,13 +23745,15 @@
         <p:cxnSp>
           <p:nvCxnSpPr>
             <p:cNvPr id="18" name="Straight Connector 17"/>
-            <p:cNvCxnSpPr/>
+            <p:cNvCxnSpPr>
+              <a:cxnSpLocks/>
+            </p:cNvCxnSpPr>
             <p:nvPr/>
           </p:nvCxnSpPr>
           <p:spPr>
             <a:xfrm flipV="1">
-              <a:off x="7731583" y="3451244"/>
-              <a:ext cx="0" cy="276206"/>
+              <a:off x="8177430" y="4329000"/>
+              <a:ext cx="0" cy="405000"/>
             </a:xfrm>
             <a:prstGeom prst="line">
               <a:avLst/>
@@ -23615,13 +23783,15 @@
         <p:cxnSp>
           <p:nvCxnSpPr>
             <p:cNvPr id="19" name="Straight Connector 18"/>
-            <p:cNvCxnSpPr/>
+            <p:cNvCxnSpPr>
+              <a:cxnSpLocks/>
+            </p:cNvCxnSpPr>
             <p:nvPr/>
           </p:nvCxnSpPr>
           <p:spPr>
             <a:xfrm flipH="1" flipV="1">
-              <a:off x="7881174" y="3451244"/>
-              <a:ext cx="429" cy="282682"/>
+              <a:off x="8359335" y="4329000"/>
+              <a:ext cx="2055" cy="405000"/>
             </a:xfrm>
             <a:prstGeom prst="line">
               <a:avLst/>
@@ -23651,13 +23821,15 @@
         <p:cxnSp>
           <p:nvCxnSpPr>
             <p:cNvPr id="20" name="Straight Connector 19"/>
-            <p:cNvCxnSpPr/>
+            <p:cNvCxnSpPr>
+              <a:cxnSpLocks/>
+            </p:cNvCxnSpPr>
             <p:nvPr/>
           </p:nvCxnSpPr>
           <p:spPr>
             <a:xfrm flipV="1">
-              <a:off x="8058609" y="3438904"/>
-              <a:ext cx="1587" cy="288546"/>
+              <a:off x="8551549" y="4312343"/>
+              <a:ext cx="0" cy="421657"/>
             </a:xfrm>
             <a:prstGeom prst="line">
               <a:avLst/>
@@ -23687,13 +23859,15 @@
         <p:cxnSp>
           <p:nvCxnSpPr>
             <p:cNvPr id="21" name="Straight Connector 20"/>
-            <p:cNvCxnSpPr/>
+            <p:cNvCxnSpPr>
+              <a:cxnSpLocks/>
+            </p:cNvCxnSpPr>
             <p:nvPr/>
           </p:nvCxnSpPr>
           <p:spPr>
             <a:xfrm flipV="1">
-              <a:off x="8218153" y="3432430"/>
-              <a:ext cx="0" cy="295020"/>
+              <a:off x="8740840" y="4329000"/>
+              <a:ext cx="0" cy="409225"/>
             </a:xfrm>
             <a:prstGeom prst="line">
               <a:avLst/>
@@ -23723,13 +23897,15 @@
         <p:cxnSp>
           <p:nvCxnSpPr>
             <p:cNvPr id="22" name="Straight Connector 21"/>
-            <p:cNvCxnSpPr/>
+            <p:cNvCxnSpPr>
+              <a:cxnSpLocks/>
+            </p:cNvCxnSpPr>
             <p:nvPr/>
           </p:nvCxnSpPr>
           <p:spPr>
-            <a:xfrm flipH="1" flipV="1">
-              <a:off x="8395952" y="3451244"/>
-              <a:ext cx="1" cy="282683"/>
+            <a:xfrm flipV="1">
+              <a:off x="8925920" y="4329000"/>
+              <a:ext cx="0" cy="405000"/>
             </a:xfrm>
             <a:prstGeom prst="line">
               <a:avLst/>
@@ -23759,13 +23935,15 @@
         <p:cxnSp>
           <p:nvCxnSpPr>
             <p:cNvPr id="23" name="Straight Connector 22"/>
-            <p:cNvCxnSpPr/>
+            <p:cNvCxnSpPr>
+              <a:cxnSpLocks/>
+            </p:cNvCxnSpPr>
             <p:nvPr/>
           </p:nvCxnSpPr>
           <p:spPr>
             <a:xfrm flipV="1">
-              <a:off x="8576486" y="3432429"/>
-              <a:ext cx="0" cy="295021"/>
+              <a:off x="9118620" y="4329000"/>
+              <a:ext cx="0" cy="405000"/>
             </a:xfrm>
             <a:prstGeom prst="line">
               <a:avLst/>
@@ -23795,13 +23973,15 @@
         <p:cxnSp>
           <p:nvCxnSpPr>
             <p:cNvPr id="24" name="Straight Connector 23"/>
-            <p:cNvCxnSpPr/>
+            <p:cNvCxnSpPr>
+              <a:cxnSpLocks/>
+            </p:cNvCxnSpPr>
             <p:nvPr/>
           </p:nvCxnSpPr>
           <p:spPr>
             <a:xfrm flipV="1">
-              <a:off x="8762642" y="3443541"/>
-              <a:ext cx="0" cy="290384"/>
+              <a:off x="9325840" y="4329000"/>
+              <a:ext cx="0" cy="405000"/>
             </a:xfrm>
             <a:prstGeom prst="line">
               <a:avLst/>
@@ -23831,13 +24011,15 @@
         <p:cxnSp>
           <p:nvCxnSpPr>
             <p:cNvPr id="48" name="Straight Connector 47"/>
-            <p:cNvCxnSpPr/>
+            <p:cNvCxnSpPr>
+              <a:cxnSpLocks/>
+            </p:cNvCxnSpPr>
             <p:nvPr/>
           </p:nvCxnSpPr>
           <p:spPr>
             <a:xfrm flipV="1">
-              <a:off x="8930917" y="3451244"/>
-              <a:ext cx="0" cy="290384"/>
+              <a:off x="9510920" y="4312343"/>
+              <a:ext cx="0" cy="421657"/>
             </a:xfrm>
             <a:prstGeom prst="line">
               <a:avLst/>
@@ -23867,13 +24049,15 @@
         <p:cxnSp>
           <p:nvCxnSpPr>
             <p:cNvPr id="49" name="Straight Connector 48"/>
-            <p:cNvCxnSpPr/>
+            <p:cNvCxnSpPr>
+              <a:cxnSpLocks/>
+            </p:cNvCxnSpPr>
             <p:nvPr/>
           </p:nvCxnSpPr>
           <p:spPr>
             <a:xfrm flipV="1">
-              <a:off x="9067442" y="3438904"/>
-              <a:ext cx="0" cy="290384"/>
+              <a:off x="9801240" y="4329000"/>
+              <a:ext cx="0" cy="405000"/>
             </a:xfrm>
             <a:prstGeom prst="line">
               <a:avLst/>
@@ -24072,7 +24256,7 @@
                             </p:stCondLst>
                             <p:childTnLst>
                               <p:par>
-                                <p:cTn id="13" presetID="1" presetClass="entr" presetSubtype="0" fill="hold" nodeType="clickEffect">
+                                <p:cTn id="13" presetID="1" presetClass="entr" presetSubtype="0" fill="hold" grpId="0" nodeType="clickEffect">
                                   <p:stCondLst>
                                     <p:cond delay="0"/>
                                   </p:stCondLst>
@@ -24085,7 +24269,7 @@
                                           </p:stCondLst>
                                         </p:cTn>
                                         <p:tgtEl>
-                                          <p:spTgt spid="50"/>
+                                          <p:spTgt spid="12"/>
                                         </p:tgtEl>
                                         <p:attrNameLst>
                                           <p:attrName>style.visibility</p:attrName>
@@ -24149,6 +24333,51 @@
                       </p:childTnLst>
                     </p:cTn>
                   </p:par>
+                  <p:par>
+                    <p:cTn id="19" fill="hold">
+                      <p:stCondLst>
+                        <p:cond delay="indefinite"/>
+                      </p:stCondLst>
+                      <p:childTnLst>
+                        <p:par>
+                          <p:cTn id="20" fill="hold">
+                            <p:stCondLst>
+                              <p:cond delay="0"/>
+                            </p:stCondLst>
+                            <p:childTnLst>
+                              <p:par>
+                                <p:cTn id="21" presetID="1" presetClass="entr" presetSubtype="0" fill="hold" nodeType="clickEffect">
+                                  <p:stCondLst>
+                                    <p:cond delay="0"/>
+                                  </p:stCondLst>
+                                  <p:childTnLst>
+                                    <p:set>
+                                      <p:cBhvr>
+                                        <p:cTn id="22" dur="1" fill="hold">
+                                          <p:stCondLst>
+                                            <p:cond delay="0"/>
+                                          </p:stCondLst>
+                                        </p:cTn>
+                                        <p:tgtEl>
+                                          <p:spTgt spid="28"/>
+                                        </p:tgtEl>
+                                        <p:attrNameLst>
+                                          <p:attrName>style.visibility</p:attrName>
+                                        </p:attrNameLst>
+                                      </p:cBhvr>
+                                      <p:to>
+                                        <p:strVal val="visible"/>
+                                      </p:to>
+                                    </p:set>
+                                  </p:childTnLst>
+                                </p:cTn>
+                              </p:par>
+                            </p:childTnLst>
+                          </p:cTn>
+                        </p:par>
+                      </p:childTnLst>
+                    </p:cTn>
+                  </p:par>
                 </p:childTnLst>
               </p:cTn>
               <p:prevCondLst>
@@ -24174,6 +24403,7 @@
       <p:bldP spid="8" grpId="0" animBg="1"/>
       <p:bldP spid="32" grpId="0" animBg="1"/>
       <p:bldP spid="33" grpId="0" animBg="1"/>
+      <p:bldP spid="12" grpId="0" animBg="1"/>
     </p:bldLst>
   </p:timing>
 </p:sld>
@@ -24537,25 +24767,6 @@
       </p:grpSpPr>
       <p:sp>
         <p:nvSpPr>
-          <p:cNvPr id="6" name="Text Placeholder 5"/>
-          <p:cNvSpPr>
-            <a:spLocks noGrp="1"/>
-          </p:cNvSpPr>
-          <p:nvPr>
-            <p:ph type="body" sz="quarter" idx="10"/>
-          </p:nvPr>
-        </p:nvSpPr>
-        <p:spPr/>
-        <p:txBody>
-          <a:bodyPr/>
-          <a:lstStyle/>
-          <a:p>
-            <a:endParaRPr lang="en-US" dirty="0"/>
-          </a:p>
-        </p:txBody>
-      </p:sp>
-      <p:sp>
-        <p:nvSpPr>
           <p:cNvPr id="5" name="Title 4"/>
           <p:cNvSpPr>
             <a:spLocks noGrp="1"/>
@@ -24596,17 +24807,24 @@
               </a:ext>
             </a:extLst>
           </a:blip>
-          <a:srcRect b="3861"/>
+          <a:srcRect t="5098" b="162"/>
           <a:stretch/>
         </p:blipFill>
         <p:spPr>
           <a:xfrm>
-            <a:off x="0" y="1098080"/>
-            <a:ext cx="12191999" cy="6129198"/>
+            <a:off x="1194443" y="1214612"/>
+            <a:ext cx="9803113" cy="5514475"/>
           </a:xfrm>
           <a:prstGeom prst="rect">
             <a:avLst/>
           </a:prstGeom>
+          <a:ln>
+            <a:solidFill>
+              <a:schemeClr val="bg2">
+                <a:lumMod val="75000"/>
+              </a:schemeClr>
+            </a:solidFill>
+          </a:ln>
         </p:spPr>
       </p:pic>
       <p:sp>
@@ -24617,8 +24835,8 @@
         </p:nvSpPr>
         <p:spPr bwMode="auto">
           <a:xfrm>
-            <a:off x="4470155" y="3173790"/>
-            <a:ext cx="3311037" cy="958595"/>
+            <a:off x="4926001" y="3129872"/>
+            <a:ext cx="2385000" cy="958595"/>
           </a:xfrm>
           <a:prstGeom prst="rect">
             <a:avLst/>
@@ -24683,7 +24901,7 @@
         </p:nvSpPr>
         <p:spPr bwMode="auto">
           <a:xfrm>
-            <a:off x="7781192" y="2034999"/>
+            <a:off x="7511242" y="2048418"/>
             <a:ext cx="4220308" cy="1081454"/>
           </a:xfrm>
           <a:prstGeom prst="wedgeRoundRectCallout">
@@ -24752,7 +24970,7 @@
             <a:r>
               <a:rPr lang="bg-BG" sz="2800" b="1" dirty="0">
                 <a:solidFill>
-                  <a:schemeClr val="bg1">
+                  <a:schemeClr val="accent1">
                     <a:lumMod val="60000"/>
                     <a:lumOff val="40000"/>
                   </a:schemeClr>
@@ -24769,7 +24987,7 @@
             </a:r>
             <a:endParaRPr lang="en-US" sz="2800" b="1" dirty="0">
               <a:solidFill>
-                <a:schemeClr val="bg1">
+                <a:schemeClr val="accent1">
                   <a:lumMod val="60000"/>
                   <a:lumOff val="40000"/>
                 </a:schemeClr>
@@ -24793,8 +25011,8 @@
         </p:nvSpPr>
         <p:spPr>
           <a:xfrm>
-            <a:off x="3267123" y="2250832"/>
-            <a:ext cx="738554" cy="4536830"/>
+            <a:off x="3777550" y="2257364"/>
+            <a:ext cx="738554" cy="4286580"/>
           </a:xfrm>
           <a:prstGeom prst="leftBrace">
             <a:avLst/>
@@ -24832,7 +25050,7 @@
         </p:nvSpPr>
         <p:spPr>
           <a:xfrm>
-            <a:off x="1492214" y="4207060"/>
+            <a:off x="2008675" y="4088467"/>
             <a:ext cx="1529862" cy="624374"/>
           </a:xfrm>
           <a:prstGeom prst="rect">
